--- a/RxJS_MARBLE_ET_OPERATOR.pptx
+++ b/RxJS_MARBLE_ET_OPERATOR.pptx
@@ -213,7 +213,7 @@
             <a:fld id="{8A49C0DF-4603-4646-85BC-A174D07E3C77}" type="datetimeFigureOut">
               <a:rPr lang="fr-FR" smtClean="0"/>
               <a:pPr/>
-              <a:t>13/01/2022</a:t>
+              <a:t>14/01/2022</a:t>
             </a:fld>
             <a:endParaRPr lang="fr-FR"/>
           </a:p>
@@ -598,7 +598,7 @@
             <a:fld id="{AA309A6D-C09C-4548-B29A-6CF363A7E532}" type="datetimeFigureOut">
               <a:rPr lang="fr-FR" smtClean="0"/>
               <a:pPr/>
-              <a:t>13/01/2022</a:t>
+              <a:t>14/01/2022</a:t>
             </a:fld>
             <a:endParaRPr lang="fr-BE"/>
           </a:p>
@@ -1317,7 +1317,7 @@
             <a:fld id="{AA309A6D-C09C-4548-B29A-6CF363A7E532}" type="datetimeFigureOut">
               <a:rPr lang="fr-FR" smtClean="0"/>
               <a:pPr/>
-              <a:t>13/01/2022</a:t>
+              <a:t>14/01/2022</a:t>
             </a:fld>
             <a:endParaRPr lang="fr-BE"/>
           </a:p>
@@ -1504,7 +1504,7 @@
             <a:fld id="{AA309A6D-C09C-4548-B29A-6CF363A7E532}" type="datetimeFigureOut">
               <a:rPr lang="fr-FR" smtClean="0"/>
               <a:pPr/>
-              <a:t>13/01/2022</a:t>
+              <a:t>14/01/2022</a:t>
             </a:fld>
             <a:endParaRPr lang="fr-BE"/>
           </a:p>
@@ -1681,7 +1681,7 @@
             <a:fld id="{AA309A6D-C09C-4548-B29A-6CF363A7E532}" type="datetimeFigureOut">
               <a:rPr lang="fr-FR" smtClean="0"/>
               <a:pPr/>
-              <a:t>13/01/2022</a:t>
+              <a:t>14/01/2022</a:t>
             </a:fld>
             <a:endParaRPr lang="fr-BE"/>
           </a:p>
@@ -3166,7 +3166,7 @@
             <a:fld id="{AA309A6D-C09C-4548-B29A-6CF363A7E532}" type="datetimeFigureOut">
               <a:rPr lang="fr-FR" smtClean="0"/>
               <a:pPr/>
-              <a:t>13/01/2022</a:t>
+              <a:t>14/01/2022</a:t>
             </a:fld>
             <a:endParaRPr lang="fr-BE"/>
           </a:p>
@@ -3768,7 +3768,7 @@
             <a:fld id="{AA309A6D-C09C-4548-B29A-6CF363A7E532}" type="datetimeFigureOut">
               <a:rPr lang="fr-FR" smtClean="0"/>
               <a:pPr/>
-              <a:t>13/01/2022</a:t>
+              <a:t>14/01/2022</a:t>
             </a:fld>
             <a:endParaRPr lang="fr-BE"/>
           </a:p>
@@ -4207,7 +4207,7 @@
             <a:fld id="{AA309A6D-C09C-4548-B29A-6CF363A7E532}" type="datetimeFigureOut">
               <a:rPr lang="fr-FR" smtClean="0"/>
               <a:pPr/>
-              <a:t>13/01/2022</a:t>
+              <a:t>14/01/2022</a:t>
             </a:fld>
             <a:endParaRPr lang="fr-BE"/>
           </a:p>
@@ -4770,7 +4770,7 @@
             <a:fld id="{AA309A6D-C09C-4548-B29A-6CF363A7E532}" type="datetimeFigureOut">
               <a:rPr lang="fr-FR" smtClean="0"/>
               <a:pPr/>
-              <a:t>13/01/2022</a:t>
+              <a:t>14/01/2022</a:t>
             </a:fld>
             <a:endParaRPr lang="fr-BE"/>
           </a:p>
@@ -4868,7 +4868,7 @@
             <a:fld id="{AA309A6D-C09C-4548-B29A-6CF363A7E532}" type="datetimeFigureOut">
               <a:rPr lang="fr-FR" smtClean="0"/>
               <a:pPr/>
-              <a:t>13/01/2022</a:t>
+              <a:t>14/01/2022</a:t>
             </a:fld>
             <a:endParaRPr lang="fr-BE"/>
           </a:p>
@@ -5124,7 +5124,7 @@
             <a:fld id="{AA309A6D-C09C-4548-B29A-6CF363A7E532}" type="datetimeFigureOut">
               <a:rPr lang="fr-FR" smtClean="0"/>
               <a:pPr/>
-              <a:t>13/01/2022</a:t>
+              <a:t>14/01/2022</a:t>
             </a:fld>
             <a:endParaRPr lang="fr-BE"/>
           </a:p>
@@ -5847,7 +5847,7 @@
             <a:fld id="{AA309A6D-C09C-4548-B29A-6CF363A7E532}" type="datetimeFigureOut">
               <a:rPr lang="fr-FR" smtClean="0"/>
               <a:pPr/>
-              <a:t>13/01/2022</a:t>
+              <a:t>14/01/2022</a:t>
             </a:fld>
             <a:endParaRPr lang="fr-BE"/>
           </a:p>
@@ -6522,7 +6522,7 @@
             <a:fld id="{AA309A6D-C09C-4548-B29A-6CF363A7E532}" type="datetimeFigureOut">
               <a:rPr lang="fr-FR" smtClean="0"/>
               <a:pPr/>
-              <a:t>13/01/2022</a:t>
+              <a:t>14/01/2022</a:t>
             </a:fld>
             <a:endParaRPr lang="fr-BE"/>
           </a:p>
@@ -7721,8 +7721,8 @@
           </p:nvPr>
         </p:nvGraphicFramePr>
         <p:xfrm>
-          <a:off x="750518" y="1484784"/>
-          <a:ext cx="7642964" cy="2804160"/>
+          <a:off x="755576" y="1340768"/>
+          <a:ext cx="7642964" cy="3048000"/>
         </p:xfrm>
         <a:graphic>
           <a:graphicData uri="http://schemas.openxmlformats.org/drawingml/2006/table">
@@ -8089,7 +8089,19 @@
                         <a:rPr lang="fr-FR" sz="1600" dirty="0" smtClean="0">
                           <a:latin typeface="+mn-lt"/>
                         </a:rPr>
-                        <a:t>satisfaisant les conditions du prédicat passé en paramètre.</a:t>
+                        <a:t>satisfaisant les conditions du prédicat passé en paramètre. Une notification de </a:t>
+                      </a:r>
+                      <a:r>
+                        <a:rPr lang="fr-FR" sz="1600" i="1" dirty="0" err="1" smtClean="0">
+                          <a:latin typeface="+mn-lt"/>
+                        </a:rPr>
+                        <a:t>complete</a:t>
+                      </a:r>
+                      <a:r>
+                        <a:rPr lang="fr-FR" sz="1600" dirty="0" smtClean="0">
+                          <a:latin typeface="+mn-lt"/>
+                        </a:rPr>
+                        <a:t> est envoyée dès qu’une occurrence est trouvée.</a:t>
                       </a:r>
                     </a:p>
                   </a:txBody>
@@ -8222,7 +8234,7 @@
           </p:nvPr>
         </p:nvGraphicFramePr>
         <p:xfrm>
-          <a:off x="750518" y="4509120"/>
+          <a:off x="750518" y="4797152"/>
           <a:ext cx="7642964" cy="1808480"/>
         </p:xfrm>
         <a:graphic>
@@ -8509,7 +8521,7 @@
                         <a:rPr lang="fr-FR" sz="1600" dirty="0" smtClean="0">
                           <a:latin typeface="+mn-lt"/>
                         </a:rPr>
-                        <a:t> existants, pour gérer les </a:t>
+                        <a:t> existants, pour gérer finement les </a:t>
                       </a:r>
                       <a:r>
                         <a:rPr lang="fr-FR" sz="1600" i="1" dirty="0" err="1" smtClean="0">
@@ -8521,9 +8533,27 @@
                         <a:rPr lang="fr-FR" sz="1600" baseline="0" dirty="0" smtClean="0">
                           <a:latin typeface="+mn-lt"/>
                         </a:rPr>
-                        <a:t> imbriqués.</a:t>
-                      </a:r>
-                      <a:endParaRPr lang="fr-FR" sz="1600" dirty="0">
+                        <a:t> imbriqués. </a:t>
+                      </a:r>
+                      <a:r>
+                        <a:rPr lang="fr-FR" sz="1600" i="1" baseline="0" dirty="0" smtClean="0">
+                          <a:latin typeface="+mn-lt"/>
+                        </a:rPr>
+                        <a:t>Dans le doute: </a:t>
+                      </a:r>
+                      <a:r>
+                        <a:rPr lang="fr-FR" sz="1600" i="1" baseline="0" dirty="0" err="1" smtClean="0">
+                          <a:latin typeface="+mn-lt"/>
+                        </a:rPr>
+                        <a:t>switchMap</a:t>
+                      </a:r>
+                      <a:r>
+                        <a:rPr lang="fr-FR" sz="1600" i="1" baseline="0" dirty="0" smtClean="0">
+                          <a:latin typeface="+mn-lt"/>
+                        </a:rPr>
+                        <a:t>()!</a:t>
+                      </a:r>
+                      <a:endParaRPr lang="fr-FR" sz="1600" i="1" dirty="0">
                         <a:latin typeface="+mn-lt"/>
                       </a:endParaRPr>
                     </a:p>
@@ -8594,8 +8624,8 @@
           </p:nvPr>
         </p:nvGraphicFramePr>
         <p:xfrm>
-          <a:off x="611560" y="1484784"/>
-          <a:ext cx="8208912" cy="4176464"/>
+          <a:off x="611560" y="1268760"/>
+          <a:ext cx="8208912" cy="5040560"/>
         </p:xfrm>
         <a:graphic>
           <a:graphicData uri="http://schemas.openxmlformats.org/drawingml/2006/table">
@@ -8612,7 +8642,7 @@
                   </a:extLst>
                 </a:gridCol>
               </a:tblGrid>
-              <a:tr h="432047">
+              <a:tr h="521437">
                 <a:tc>
                   <a:txBody>
                     <a:bodyPr/>
@@ -8653,7 +8683,7 @@
                   </a:ext>
                 </a:extLst>
               </a:tr>
-              <a:tr h="3744417">
+              <a:tr h="4519123">
                 <a:tc>
                   <a:txBody>
                     <a:bodyPr/>
@@ -8667,7 +8697,7 @@
                         <a:t>const </a:t>
                       </a:r>
                       <a:r>
-                        <a:rPr kumimoji="0" lang="fr-FR" sz="1400" kern="1200" dirty="0">
+                        <a:rPr kumimoji="0" lang="fr-FR" sz="1400" kern="1200" dirty="0" smtClean="0">
                           <a:solidFill>
                             <a:schemeClr val="dk1"/>
                           </a:solidFill>
@@ -8675,7 +8705,7 @@
                           <a:ea typeface="+mn-ea"/>
                           <a:cs typeface="+mn-cs"/>
                         </a:rPr>
-                        <a:t>Client$ </a:t>
+                        <a:t>clients$ </a:t>
                       </a:r>
                       <a:r>
                         <a:rPr lang="en-US" sz="1400" dirty="0">
@@ -8836,10 +8866,16 @@
                     <a:p>
                       <a:pPr algn="l"/>
                       <a:r>
+                        <a:rPr lang="fr-FR" sz="1400" dirty="0" smtClean="0">
+                          <a:latin typeface="+mj-lt"/>
+                        </a:rPr>
+                        <a:t>clients$.</a:t>
+                      </a:r>
+                      <a:r>
                         <a:rPr lang="fr-FR" sz="1400" dirty="0">
                           <a:latin typeface="+mj-lt"/>
                         </a:rPr>
-                        <a:t>Client$.pipe(</a:t>
+                        <a:t>pipe(</a:t>
                       </a:r>
                     </a:p>
                     <a:p>
@@ -8865,8 +8901,56 @@
                         <a:rPr lang="fr-FR" sz="1400" dirty="0">
                           <a:latin typeface="+mj-lt"/>
                         </a:rPr>
+                        <a:t>(client =&gt; client.age &gt;= 18</a:t>
+                      </a:r>
+                      <a:r>
+                        <a:rPr lang="fr-FR" sz="1400" dirty="0" smtClean="0">
+                          <a:latin typeface="+mj-lt"/>
+                        </a:rPr>
+                        <a:t>),</a:t>
+                      </a:r>
+                    </a:p>
+                    <a:p>
+                      <a:pPr algn="l"/>
+                      <a:r>
+                        <a:rPr kumimoji="0" lang="fr-FR" sz="1400" b="1" i="1" kern="1200" dirty="0" smtClean="0">
+                          <a:solidFill>
+                            <a:srgbClr val="00B050"/>
+                          </a:solidFill>
+                          <a:latin typeface="+mn-lt"/>
+                          <a:ea typeface="+mn-ea"/>
+                          <a:cs typeface="+mn-cs"/>
+                        </a:rPr>
+                        <a:t>                       // </a:t>
+                      </a:r>
+                      <a:r>
+                        <a:rPr kumimoji="0" lang="fr-FR" sz="1400" b="1" i="1" kern="1200" dirty="0" err="1" smtClean="0">
+                          <a:solidFill>
+                            <a:srgbClr val="00B050"/>
+                          </a:solidFill>
+                          <a:latin typeface="+mj-lt"/>
+                          <a:ea typeface="+mn-ea"/>
+                          <a:cs typeface="+mn-cs"/>
+                        </a:rPr>
+                        <a:t>find</a:t>
+                      </a:r>
+                      <a:r>
+                        <a:rPr kumimoji="0" lang="fr-FR" sz="1400" b="1" i="1" kern="1200" dirty="0" smtClean="0">
+                          <a:solidFill>
+                            <a:srgbClr val="00B050"/>
+                          </a:solidFill>
+                          <a:latin typeface="+mj-lt"/>
+                          <a:ea typeface="+mn-ea"/>
+                          <a:cs typeface="+mn-cs"/>
+                        </a:rPr>
                         <a:t>(client =&gt; client.age &gt;= 18),</a:t>
                       </a:r>
+                      <a:endParaRPr lang="fr-FR" sz="1400" b="1" i="1" dirty="0">
+                        <a:solidFill>
+                          <a:srgbClr val="00B050"/>
+                        </a:solidFill>
+                        <a:latin typeface="+mj-lt"/>
+                      </a:endParaRPr>
                     </a:p>
                     <a:p>
                       <a:pPr marL="0" marR="0" indent="0" algn="l" defTabSz="914400" rtl="0" eaLnBrk="1" fontAlgn="auto" latinLnBrk="0" hangingPunct="1">
@@ -9270,25 +9354,6 @@
           </a:graphicData>
         </a:graphic>
       </p:graphicFrame>
-      <p:sp>
-        <p:nvSpPr>
-          <p:cNvPr id="6" name="Espace réservé du contenu 5"/>
-          <p:cNvSpPr>
-            <a:spLocks noGrp="1"/>
-          </p:cNvSpPr>
-          <p:nvPr>
-            <p:ph idx="1"/>
-          </p:nvPr>
-        </p:nvSpPr>
-        <p:spPr/>
-        <p:txBody>
-          <a:bodyPr/>
-          <a:lstStyle/>
-          <a:p>
-            <a:endParaRPr lang="fr-FR" dirty="0"/>
-          </a:p>
-        </p:txBody>
-      </p:sp>
     </p:spTree>
   </p:cSld>
   <p:clrMapOvr>
@@ -10440,7 +10505,19 @@
             </a:pPr>
             <a:r>
               <a:rPr lang="fr-FR" sz="2400" dirty="0"/>
-              <a:t>Tant que le flux en cours n’est pas complété, les nouvelles émissions sont annulées.</a:t>
+              <a:t>Tant que le flux en cours n’est pas </a:t>
+            </a:r>
+            <a:r>
+              <a:rPr lang="fr-FR" sz="2400" i="1" dirty="0" err="1" smtClean="0"/>
+              <a:t>complete</a:t>
+            </a:r>
+            <a:r>
+              <a:rPr lang="fr-FR" sz="2400" dirty="0" smtClean="0"/>
+              <a:t>, </a:t>
+            </a:r>
+            <a:r>
+              <a:rPr lang="fr-FR" sz="2400" dirty="0"/>
+              <a:t>les nouvelles émissions sont annulées.</a:t>
             </a:r>
           </a:p>
           <a:p>
@@ -12120,8 +12197,25 @@
             <a:pPr lvl="1"/>
             <a:r>
               <a:rPr lang="fr-FR" dirty="0"/>
-              <a:t>Gestion des données asynchrones.</a:t>
-            </a:r>
+              <a:t>Gestion des données </a:t>
+            </a:r>
+            <a:r>
+              <a:rPr lang="fr-FR" smtClean="0"/>
+              <a:t>asynchrones (« données Schrödinger</a:t>
+            </a:r>
+            <a:r>
+              <a:rPr lang="fr-FR" dirty="0" smtClean="0"/>
+              <a:t> </a:t>
+            </a:r>
+            <a:r>
+              <a:rPr lang="fr-FR" smtClean="0"/>
+              <a:t>» dépendantes </a:t>
+            </a:r>
+            <a:r>
+              <a:rPr lang="fr-FR" dirty="0" smtClean="0"/>
+              <a:t>du réseau).</a:t>
+            </a:r>
+            <a:endParaRPr lang="fr-FR" dirty="0"/>
           </a:p>
           <a:p>
             <a:r>
@@ -12129,7 +12223,7 @@
               <a:t>« Promises 2.0 » (</a:t>
             </a:r>
             <a:r>
-              <a:rPr lang="fr-FR" dirty="0" err="1"/>
+              <a:rPr lang="fr-FR" i="1" dirty="0" err="1"/>
               <a:t>complete</a:t>
             </a:r>
             <a:r>
@@ -12727,10 +12821,6 @@
               <a:rPr lang="fr-FR" dirty="0" err="1" smtClean="0"/>
               <a:t>RxJS</a:t>
             </a:r>
-            <a:r>
-              <a:rPr lang="fr-FR" dirty="0" smtClean="0"/>
-              <a:t>*</a:t>
-            </a:r>
             <a:endParaRPr lang="fr-FR" dirty="0"/>
           </a:p>
         </p:txBody>
@@ -12886,7 +12976,27 @@
                   </a:schemeClr>
                 </a:solidFill>
               </a:rPr>
-              <a:t>1 Souscription (résultat)</a:t>
+              <a:t>1 </a:t>
+            </a:r>
+            <a:r>
+              <a:rPr lang="fr-FR" b="1" u="sng" dirty="0" err="1" smtClean="0">
+                <a:solidFill>
+                  <a:schemeClr val="accent2">
+                    <a:lumMod val="75000"/>
+                  </a:schemeClr>
+                </a:solidFill>
+              </a:rPr>
+              <a:t>Subscription</a:t>
+            </a:r>
+            <a:r>
+              <a:rPr lang="fr-FR" b="1" u="sng" dirty="0" smtClean="0">
+                <a:solidFill>
+                  <a:schemeClr val="accent2">
+                    <a:lumMod val="75000"/>
+                  </a:schemeClr>
+                </a:solidFill>
+              </a:rPr>
+              <a:t> (résultat)</a:t>
             </a:r>
           </a:p>
           <a:p>
@@ -12959,23 +13069,51 @@
                     <a:bodyPr/>
                     <a:lstStyle/>
                     <a:p>
-                      <a:r>
-                        <a:rPr lang="fr-FR" sz="1600" smtClean="0">
+                      <a:pPr marL="0" marR="0" indent="0" algn="l" defTabSz="914400" rtl="0" eaLnBrk="1" fontAlgn="auto" latinLnBrk="0" hangingPunct="1">
+                        <a:lnSpc>
+                          <a:spcPct val="100000"/>
+                        </a:lnSpc>
+                        <a:spcBef>
+                          <a:spcPts val="0"/>
+                        </a:spcBef>
+                        <a:spcAft>
+                          <a:spcPts val="0"/>
+                        </a:spcAft>
+                        <a:buClrTx/>
+                        <a:buSzTx/>
+                        <a:buFontTx/>
+                        <a:buNone/>
+                        <a:tabLst/>
+                        <a:defRPr/>
+                      </a:pPr>
+                      <a:r>
+                        <a:rPr lang="fr-FR" sz="1600" b="1" i="1" u="sng" dirty="0" smtClean="0">
+                          <a:solidFill>
+                            <a:srgbClr val="00B050"/>
+                          </a:solidFill>
                           <a:latin typeface="+mn-lt"/>
                         </a:rPr>
+                        <a:t>// Représentation détaillée</a:t>
+                      </a:r>
+                    </a:p>
+                    <a:p>
+                      <a:r>
+                        <a:rPr lang="fr-FR" sz="1600" dirty="0" smtClean="0">
+                          <a:latin typeface="+mn-lt"/>
+                        </a:rPr>
                         <a:t>public </a:t>
                       </a:r>
                       <a:r>
-                        <a:rPr lang="fr-FR" sz="1600" b="1" smtClean="0">
+                        <a:rPr lang="fr-FR" sz="1600" b="1" dirty="0" smtClean="0">
                           <a:solidFill>
                             <a:schemeClr val="bg1"/>
                           </a:solidFill>
                           <a:latin typeface="+mn-lt"/>
                         </a:rPr>
-                        <a:t>souscripion:</a:t>
-                      </a:r>
-                      <a:r>
-                        <a:rPr lang="fr-FR" sz="1600" b="1" baseline="0" smtClean="0">
+                        <a:t>souscription:</a:t>
+                      </a:r>
+                      <a:r>
+                        <a:rPr lang="fr-FR" sz="1600" b="1" baseline="0" dirty="0" smtClean="0">
                           <a:solidFill>
                             <a:schemeClr val="bg1"/>
                           </a:solidFill>
@@ -12984,7 +13122,7 @@
                         <a:t> </a:t>
                       </a:r>
                       <a:r>
-                        <a:rPr lang="fr-FR" sz="1600" b="1" baseline="0" smtClean="0">
+                        <a:rPr lang="fr-FR" sz="1600" b="1" baseline="0" dirty="0" err="1" smtClean="0">
                           <a:solidFill>
                             <a:schemeClr val="accent2">
                               <a:lumMod val="75000"/>
@@ -12992,10 +13130,21 @@
                           </a:solidFill>
                           <a:latin typeface="+mn-lt"/>
                         </a:rPr>
-                        <a:t>Souscription </a:t>
-                      </a:r>
-                      <a:r>
-                        <a:rPr lang="fr-FR" sz="1600" baseline="0" smtClean="0">
+                        <a:t>Subscription</a:t>
+                      </a:r>
+                      <a:r>
+                        <a:rPr lang="fr-FR" sz="1600" b="1" baseline="0" dirty="0" smtClean="0">
+                          <a:solidFill>
+                            <a:schemeClr val="accent2">
+                              <a:lumMod val="75000"/>
+                            </a:schemeClr>
+                          </a:solidFill>
+                          <a:latin typeface="+mn-lt"/>
+                        </a:rPr>
+                        <a:t> </a:t>
+                      </a:r>
+                      <a:r>
+                        <a:rPr lang="fr-FR" sz="1600" baseline="0" dirty="0" smtClean="0">
                           <a:latin typeface="+mn-lt"/>
                         </a:rPr>
                         <a:t>=  </a:t>
@@ -13003,13 +13152,13 @@
                     </a:p>
                     <a:p>
                       <a:r>
-                        <a:rPr lang="fr-FR" sz="1600" b="1" smtClean="0">
+                        <a:rPr lang="fr-FR" sz="1600" b="1" dirty="0" smtClean="0">
                           <a:latin typeface="+mn-lt"/>
                         </a:rPr>
                         <a:t>    </a:t>
                       </a:r>
                       <a:r>
-                        <a:rPr lang="fr-FR" sz="1600" b="1" smtClean="0">
+                        <a:rPr lang="fr-FR" sz="1600" b="1" dirty="0" err="1" smtClean="0">
                           <a:solidFill>
                             <a:srgbClr val="0070C0"/>
                           </a:solidFill>
@@ -13035,7 +13184,7 @@
                     </a:p>
                     <a:p>
                       <a:r>
-                        <a:rPr lang="fr-FR" sz="1600" b="0" i="1" baseline="0" smtClean="0">
+                        <a:rPr lang="fr-FR" sz="1600" b="0" i="1" baseline="0" dirty="0" smtClean="0">
                           <a:solidFill>
                             <a:srgbClr val="FF0000"/>
                           </a:solidFill>
@@ -13044,13 +13193,13 @@
                         <a:t>   </a:t>
                       </a:r>
                       <a:r>
-                        <a:rPr lang="fr-FR" sz="1600" b="1" smtClean="0">
+                        <a:rPr lang="fr-FR" sz="1600" b="1" dirty="0" smtClean="0">
                           <a:latin typeface="+mn-lt"/>
                         </a:rPr>
                         <a:t>      </a:t>
                       </a:r>
                       <a:r>
-                        <a:rPr lang="fr-FR" sz="1600" b="0" i="1" baseline="0" smtClean="0">
+                        <a:rPr lang="fr-FR" sz="1600" b="0" i="1" baseline="0" dirty="0" smtClean="0">
                           <a:solidFill>
                             <a:srgbClr val="FF0000"/>
                           </a:solidFill>
@@ -13085,19 +13234,31 @@
                     </a:p>
                     <a:p>
                       <a:r>
-                        <a:rPr lang="fr-FR" sz="1600" b="1" smtClean="0">
+                        <a:rPr lang="fr-FR" sz="1600" b="1" dirty="0" smtClean="0">
                           <a:latin typeface="+mn-lt"/>
                         </a:rPr>
                         <a:t>     </a:t>
                       </a:r>
                       <a:r>
-                        <a:rPr lang="fr-FR" sz="1600" b="0" smtClean="0">
+                        <a:rPr lang="fr-FR" sz="1600" b="0" dirty="0" smtClean="0">
                           <a:latin typeface="+mn-lt"/>
                         </a:rPr>
-                        <a:t>).subscribe(</a:t>
-                      </a:r>
-                      <a:r>
-                        <a:rPr lang="fr-FR" sz="1600" b="1" smtClean="0">
+                        <a:t>).</a:t>
+                      </a:r>
+                      <a:r>
+                        <a:rPr lang="fr-FR" sz="1600" b="0" dirty="0" err="1" smtClean="0">
+                          <a:latin typeface="+mn-lt"/>
+                        </a:rPr>
+                        <a:t>subscribe</a:t>
+                      </a:r>
+                      <a:r>
+                        <a:rPr lang="fr-FR" sz="1600" b="0" dirty="0" smtClean="0">
+                          <a:latin typeface="+mn-lt"/>
+                        </a:rPr>
+                        <a:t>(</a:t>
+                      </a:r>
+                      <a:r>
+                        <a:rPr lang="fr-FR" sz="1600" b="1" dirty="0" smtClean="0">
                           <a:solidFill>
                             <a:srgbClr val="7030A0"/>
                           </a:solidFill>
@@ -13105,40 +13266,43 @@
                         </a:rPr>
                         <a:t>{</a:t>
                       </a:r>
-                      <a:endParaRPr lang="fr-FR" sz="1600" b="1" dirty="0" smtClean="0">
-                        <a:solidFill>
-                          <a:srgbClr val="7030A0"/>
-                        </a:solidFill>
-                        <a:latin typeface="+mn-lt"/>
-                      </a:endParaRPr>
                     </a:p>
                     <a:p>
                       <a:r>
-                        <a:rPr lang="fr-FR" sz="1600" b="1" smtClean="0">
+                        <a:rPr lang="fr-FR" sz="1600" b="1" dirty="0" smtClean="0">
                           <a:latin typeface="+mn-lt"/>
                         </a:rPr>
                         <a:t>            </a:t>
                       </a:r>
                       <a:r>
-                        <a:rPr lang="fr-FR" sz="1600" b="1" smtClean="0">
+                        <a:rPr lang="fr-FR" sz="1600" b="1" dirty="0" err="1" smtClean="0">
                           <a:solidFill>
                             <a:srgbClr val="7030A0"/>
                           </a:solidFill>
                           <a:latin typeface="+mn-lt"/>
                         </a:rPr>
-                        <a:t>next:</a:t>
-                      </a:r>
-                      <a:r>
-                        <a:rPr lang="fr-FR" sz="1600" b="1" baseline="0" smtClean="0">
+                        <a:t>next</a:t>
+                      </a:r>
+                      <a:r>
+                        <a:rPr lang="fr-FR" sz="1600" b="1" dirty="0" smtClean="0">
                           <a:solidFill>
                             <a:srgbClr val="7030A0"/>
                           </a:solidFill>
                           <a:latin typeface="+mn-lt"/>
                         </a:rPr>
+                        <a:t>:</a:t>
+                      </a:r>
+                      <a:r>
+                        <a:rPr lang="fr-FR" sz="1600" b="1" baseline="0" dirty="0" smtClean="0">
+                          <a:solidFill>
+                            <a:srgbClr val="7030A0"/>
+                          </a:solidFill>
+                          <a:latin typeface="+mn-lt"/>
+                        </a:rPr>
                         <a:t> </a:t>
                       </a:r>
                       <a:r>
-                        <a:rPr lang="fr-FR" sz="1600" b="1" baseline="0" smtClean="0">
+                        <a:rPr lang="fr-FR" sz="1600" b="1" baseline="0" dirty="0" smtClean="0">
                           <a:solidFill>
                             <a:schemeClr val="bg1"/>
                           </a:solidFill>
@@ -13147,7 +13311,7 @@
                         <a:t>data =&gt; </a:t>
                       </a:r>
                       <a:r>
-                        <a:rPr lang="fr-FR" sz="1600" b="1" i="1" smtClean="0">
+                        <a:rPr lang="fr-FR" sz="1600" b="1" i="1" dirty="0" smtClean="0">
                           <a:solidFill>
                             <a:srgbClr val="00B050"/>
                           </a:solidFill>
@@ -13156,7 +13320,7 @@
                         <a:t>// Instructions</a:t>
                       </a:r>
                       <a:r>
-                        <a:rPr lang="fr-FR" sz="1600" b="1" i="0" smtClean="0">
+                        <a:rPr lang="fr-FR" sz="1600" b="1" i="0" dirty="0" smtClean="0">
                           <a:solidFill>
                             <a:schemeClr val="bg1"/>
                           </a:solidFill>
@@ -13167,31 +13331,40 @@
                     </a:p>
                     <a:p>
                       <a:r>
-                        <a:rPr lang="fr-FR" sz="1600" b="1" smtClean="0">
+                        <a:rPr lang="fr-FR" sz="1600" b="1" dirty="0" smtClean="0">
                           <a:latin typeface="+mn-lt"/>
                         </a:rPr>
                         <a:t>            </a:t>
                       </a:r>
                       <a:r>
-                        <a:rPr lang="fr-FR" sz="1600" b="1" smtClean="0">
+                        <a:rPr lang="fr-FR" sz="1600" b="1" dirty="0" err="1" smtClean="0">
                           <a:solidFill>
                             <a:srgbClr val="7030A0"/>
                           </a:solidFill>
                           <a:latin typeface="+mn-lt"/>
                         </a:rPr>
-                        <a:t>error:</a:t>
-                      </a:r>
-                      <a:r>
-                        <a:rPr lang="fr-FR" sz="1600" b="1" baseline="0" smtClean="0">
+                        <a:t>error</a:t>
+                      </a:r>
+                      <a:r>
+                        <a:rPr lang="fr-FR" sz="1600" b="1" dirty="0" smtClean="0">
                           <a:solidFill>
                             <a:srgbClr val="7030A0"/>
                           </a:solidFill>
                           <a:latin typeface="+mn-lt"/>
                         </a:rPr>
+                        <a:t>:</a:t>
+                      </a:r>
+                      <a:r>
+                        <a:rPr lang="fr-FR" sz="1600" b="1" baseline="0" dirty="0" smtClean="0">
+                          <a:solidFill>
+                            <a:srgbClr val="7030A0"/>
+                          </a:solidFill>
+                          <a:latin typeface="+mn-lt"/>
+                        </a:rPr>
                         <a:t> </a:t>
                       </a:r>
                       <a:r>
-                        <a:rPr lang="fr-FR" sz="1600" b="1" baseline="0" smtClean="0">
+                        <a:rPr lang="fr-FR" sz="1600" b="1" baseline="0" dirty="0" smtClean="0">
                           <a:solidFill>
                             <a:schemeClr val="bg1"/>
                           </a:solidFill>
@@ -13200,7 +13373,7 @@
                         <a:t>erreur =&gt; </a:t>
                       </a:r>
                       <a:r>
-                        <a:rPr lang="fr-FR" sz="1600" b="1" i="1" smtClean="0">
+                        <a:rPr lang="fr-FR" sz="1600" b="1" i="1" dirty="0" smtClean="0">
                           <a:solidFill>
                             <a:srgbClr val="00B050"/>
                           </a:solidFill>
@@ -13209,7 +13382,7 @@
                         <a:t>// Instructions</a:t>
                       </a:r>
                       <a:r>
-                        <a:rPr lang="fr-FR" sz="1600" b="1" i="0" smtClean="0">
+                        <a:rPr lang="fr-FR" sz="1600" b="1" i="0" dirty="0" smtClean="0">
                           <a:solidFill>
                             <a:schemeClr val="bg1"/>
                           </a:solidFill>
@@ -13220,28 +13393,37 @@
                     </a:p>
                     <a:p>
                       <a:r>
-                        <a:rPr lang="fr-FR" sz="1600" b="1" smtClean="0">
+                        <a:rPr lang="fr-FR" sz="1600" b="1" dirty="0" smtClean="0">
                           <a:latin typeface="+mn-lt"/>
                         </a:rPr>
                         <a:t>            </a:t>
                       </a:r>
                       <a:r>
-                        <a:rPr lang="fr-FR" sz="1600" b="1" smtClean="0">
+                        <a:rPr lang="fr-FR" sz="1600" b="1" dirty="0" err="1" smtClean="0">
                           <a:solidFill>
                             <a:srgbClr val="7030A0"/>
                           </a:solidFill>
                           <a:latin typeface="+mn-lt"/>
                         </a:rPr>
-                        <a:t>complete:</a:t>
-                      </a:r>
-                      <a:r>
-                        <a:rPr lang="fr-FR" sz="1600" b="1" baseline="0" smtClean="0">
+                        <a:t>complete</a:t>
+                      </a:r>
+                      <a:r>
+                        <a:rPr lang="fr-FR" sz="1600" b="1" dirty="0" smtClean="0">
+                          <a:solidFill>
+                            <a:srgbClr val="7030A0"/>
+                          </a:solidFill>
                           <a:latin typeface="+mn-lt"/>
                         </a:rPr>
+                        <a:t>:</a:t>
+                      </a:r>
+                      <a:r>
+                        <a:rPr lang="fr-FR" sz="1600" b="1" baseline="0" dirty="0" smtClean="0">
+                          <a:latin typeface="+mn-lt"/>
+                        </a:rPr>
                         <a:t> </a:t>
                       </a:r>
                       <a:r>
-                        <a:rPr lang="fr-FR" sz="1600" b="1" baseline="0" smtClean="0">
+                        <a:rPr lang="fr-FR" sz="1600" b="1" baseline="0" dirty="0" smtClean="0">
                           <a:solidFill>
                             <a:schemeClr val="bg1"/>
                           </a:solidFill>
@@ -13250,7 +13432,7 @@
                         <a:t>() =&gt; </a:t>
                       </a:r>
                       <a:r>
-                        <a:rPr lang="fr-FR" sz="1600" b="1" i="1" smtClean="0">
+                        <a:rPr lang="fr-FR" sz="1600" b="1" i="1" dirty="0" smtClean="0">
                           <a:solidFill>
                             <a:srgbClr val="00B050"/>
                           </a:solidFill>
@@ -13259,7 +13441,7 @@
                         <a:t>// Instructions</a:t>
                       </a:r>
                       <a:r>
-                        <a:rPr lang="fr-FR" sz="1600" b="1" i="0" smtClean="0">
+                        <a:rPr lang="fr-FR" sz="1600" b="1" i="0" dirty="0" smtClean="0">
                           <a:solidFill>
                             <a:schemeClr val="bg1"/>
                           </a:solidFill>
@@ -13270,13 +13452,13 @@
                     </a:p>
                     <a:p>
                       <a:r>
-                        <a:rPr lang="fr-FR" sz="1600" b="1" smtClean="0">
+                        <a:rPr lang="fr-FR" sz="1600" b="1" dirty="0" smtClean="0">
                           <a:latin typeface="+mn-lt"/>
                         </a:rPr>
                         <a:t>     </a:t>
                       </a:r>
                       <a:r>
-                        <a:rPr lang="fr-FR" sz="1600" b="1" smtClean="0">
+                        <a:rPr lang="fr-FR" sz="1600" b="1" dirty="0" smtClean="0">
                           <a:solidFill>
                             <a:srgbClr val="7030A0"/>
                           </a:solidFill>
@@ -13285,14 +13467,14 @@
                         <a:t>}</a:t>
                       </a:r>
                       <a:r>
-                        <a:rPr lang="fr-FR" sz="1600" b="0" smtClean="0">
+                        <a:rPr lang="fr-FR" sz="1600" b="0" dirty="0" smtClean="0">
                           <a:latin typeface="+mn-lt"/>
                         </a:rPr>
                         <a:t>);</a:t>
                       </a:r>
                     </a:p>
                     <a:p>
-                      <a:endParaRPr lang="fr-FR" sz="1600" b="0" i="1" smtClean="0">
+                      <a:endParaRPr lang="fr-FR" sz="1600" b="0" i="1" dirty="0" smtClean="0">
                         <a:solidFill>
                           <a:srgbClr val="00B050"/>
                         </a:solidFill>
@@ -13301,7 +13483,7 @@
                     </a:p>
                     <a:p>
                       <a:r>
-                        <a:rPr lang="fr-FR" sz="1600" b="1" i="1" smtClean="0">
+                        <a:rPr lang="fr-FR" sz="1600" b="1" i="1" u="sng" dirty="0" smtClean="0">
                           <a:solidFill>
                             <a:srgbClr val="00B050"/>
                           </a:solidFill>
@@ -13312,13 +13494,25 @@
                     </a:p>
                     <a:p>
                       <a:r>
-                        <a:rPr lang="fr-FR" sz="1600" b="0" smtClean="0">
+                        <a:rPr lang="fr-FR" sz="1600" b="0" dirty="0" smtClean="0">
                           <a:latin typeface="+mn-lt"/>
                         </a:rPr>
-                        <a:t>.subscribe(</a:t>
-                      </a:r>
-                      <a:r>
-                        <a:rPr lang="fr-FR" sz="1600" b="1" smtClean="0">
+                        <a:t>.</a:t>
+                      </a:r>
+                      <a:r>
+                        <a:rPr lang="fr-FR" sz="1600" b="0" dirty="0" err="1" smtClean="0">
+                          <a:latin typeface="+mn-lt"/>
+                        </a:rPr>
+                        <a:t>subscribe</a:t>
+                      </a:r>
+                      <a:r>
+                        <a:rPr lang="fr-FR" sz="1600" b="0" dirty="0" smtClean="0">
+                          <a:latin typeface="+mn-lt"/>
+                        </a:rPr>
+                        <a:t>(</a:t>
+                      </a:r>
+                      <a:r>
+                        <a:rPr lang="fr-FR" sz="1600" b="1" dirty="0" smtClean="0">
                           <a:solidFill>
                             <a:srgbClr val="7030A0"/>
                           </a:solidFill>
@@ -13327,7 +13521,7 @@
                         <a:t>{Observer}</a:t>
                       </a:r>
                       <a:r>
-                        <a:rPr lang="fr-FR" sz="1600" b="0" smtClean="0">
+                        <a:rPr lang="fr-FR" sz="1600" b="0" dirty="0" smtClean="0">
                           <a:latin typeface="+mn-lt"/>
                         </a:rPr>
                         <a:t>);</a:t>
@@ -13399,7 +13593,7 @@
             </a:r>
             <a:r>
               <a:rPr lang="fr-FR" dirty="0" smtClean="0"/>
-              <a:t>»*</a:t>
+              <a:t>»</a:t>
             </a:r>
             <a:endParaRPr lang="fr-FR" dirty="0"/>
           </a:p>
@@ -13453,11 +13647,7 @@
             </a:r>
             <a:r>
               <a:rPr lang="fr-FR" i="1" strike="sngStrike" dirty="0" smtClean="0"/>
-              <a:t> manuelle </a:t>
-            </a:r>
-            <a:r>
-              <a:rPr lang="fr-FR" i="1" strike="sngStrike" dirty="0" smtClean="0"/>
-              <a:t>(1 </a:t>
+              <a:t> manuelle (1 </a:t>
             </a:r>
             <a:r>
               <a:rPr lang="fr-FR" i="1" strike="sngStrike" dirty="0" err="1" smtClean="0"/>
@@ -13467,7 +13657,6 @@
               <a:rPr lang="fr-FR" i="1" strike="sngStrike" dirty="0" smtClean="0"/>
               <a:t> par source).</a:t>
             </a:r>
-            <a:endParaRPr lang="fr-FR" i="1" strike="sngStrike" dirty="0" smtClean="0"/>
           </a:p>
           <a:p>
             <a:pPr lvl="1"/>
@@ -13501,11 +13690,7 @@
             </a:r>
             <a:r>
               <a:rPr lang="fr-FR" i="1" dirty="0" smtClean="0"/>
-              <a:t>$ </a:t>
-            </a:r>
-            <a:r>
-              <a:rPr lang="fr-FR" i="1" dirty="0" smtClean="0"/>
-              <a:t>». Lier les sources à un même objet (</a:t>
+              <a:t>$ ». Lier les sources à un même objet (</a:t>
             </a:r>
             <a:r>
               <a:rPr lang="fr-FR" i="1" dirty="0" err="1" smtClean="0"/>
@@ -13529,13 +13714,8 @@
             </a:r>
             <a:r>
               <a:rPr lang="fr-FR" i="1" dirty="0" smtClean="0"/>
-              <a:t>() » sur cet objet</a:t>
-            </a:r>
-            <a:r>
-              <a:rPr lang="fr-FR" i="1" dirty="0" smtClean="0"/>
-              <a:t>.</a:t>
-            </a:r>
-            <a:endParaRPr lang="fr-FR" i="1" dirty="0" smtClean="0"/>
+              <a:t>() » sur cet objet.</a:t>
+            </a:r>
           </a:p>
           <a:p>
             <a:pPr lvl="1"/>
